--- a/lab2/HW2Explain2021ENG.pptx
+++ b/lab2/HW2Explain2021ENG.pptx
@@ -5,16 +5,17 @@
     <p:sldMasterId id="2147483660" r:id="rId1"/>
   </p:sldMasterIdLst>
   <p:notesMasterIdLst>
-    <p:notesMasterId r:id="rId9"/>
+    <p:notesMasterId r:id="rId10"/>
   </p:notesMasterIdLst>
   <p:sldIdLst>
     <p:sldId id="256" r:id="rId2"/>
-    <p:sldId id="257" r:id="rId3"/>
-    <p:sldId id="258" r:id="rId4"/>
-    <p:sldId id="259" r:id="rId5"/>
-    <p:sldId id="260" r:id="rId6"/>
-    <p:sldId id="276" r:id="rId7"/>
-    <p:sldId id="277" r:id="rId8"/>
+    <p:sldId id="278" r:id="rId3"/>
+    <p:sldId id="257" r:id="rId4"/>
+    <p:sldId id="258" r:id="rId5"/>
+    <p:sldId id="259" r:id="rId6"/>
+    <p:sldId id="260" r:id="rId7"/>
+    <p:sldId id="276" r:id="rId8"/>
+    <p:sldId id="277" r:id="rId9"/>
   </p:sldIdLst>
   <p:sldSz cx="12192000" cy="6858000"/>
   <p:notesSz cx="6858000" cy="9144000"/>
@@ -539,7 +540,7 @@
           <a:p>
             <a:fld id="{A8164B43-BBBF-4A08-AE7A-A1E838C39BB4}" type="slidenum">
               <a:rPr lang="zh-TW" altLang="en-US" smtClean="0"/>
-              <a:t>5</a:t>
+              <a:t>6</a:t>
             </a:fld>
             <a:endParaRPr lang="zh-TW" altLang="en-US"/>
           </a:p>
@@ -4385,6 +4386,66 @@
           <a:chExt cx="0" cy="0"/>
         </a:xfrm>
       </p:grpSpPr>
+      <p:pic>
+        <p:nvPicPr>
+          <p:cNvPr id="5" name="圖片 4">
+            <a:extLst>
+              <a:ext uri="{FF2B5EF4-FFF2-40B4-BE49-F238E27FC236}">
+                <a16:creationId xmlns:a16="http://schemas.microsoft.com/office/drawing/2014/main" id="{2F72D719-908C-4516-9CA9-39CC16E03D21}"/>
+              </a:ext>
+            </a:extLst>
+          </p:cNvPr>
+          <p:cNvPicPr>
+            <a:picLocks noChangeAspect="1"/>
+          </p:cNvPicPr>
+          <p:nvPr/>
+        </p:nvPicPr>
+        <p:blipFill>
+          <a:blip r:embed="rId2"/>
+          <a:stretch>
+            <a:fillRect/>
+          </a:stretch>
+        </p:blipFill>
+        <p:spPr>
+          <a:xfrm>
+            <a:off x="2290762" y="585787"/>
+            <a:ext cx="7610475" cy="5686425"/>
+          </a:xfrm>
+          <a:prstGeom prst="rect">
+            <a:avLst/>
+          </a:prstGeom>
+        </p:spPr>
+      </p:pic>
+    </p:spTree>
+    <p:extLst>
+      <p:ext uri="{BB962C8B-B14F-4D97-AF65-F5344CB8AC3E}">
+        <p14:creationId xmlns:p14="http://schemas.microsoft.com/office/powerpoint/2010/main" val="487580279"/>
+      </p:ext>
+    </p:extLst>
+  </p:cSld>
+  <p:clrMapOvr>
+    <a:masterClrMapping/>
+  </p:clrMapOvr>
+</p:sld>
+</file>
+
+<file path=ppt/slides/slide3.xml><?xml version="1.0" encoding="utf-8"?>
+<p:sld xmlns:a="http://schemas.openxmlformats.org/drawingml/2006/main" xmlns:r="http://schemas.openxmlformats.org/officeDocument/2006/relationships" xmlns:p="http://schemas.openxmlformats.org/presentationml/2006/main">
+  <p:cSld>
+    <p:spTree>
+      <p:nvGrpSpPr>
+        <p:cNvPr id="1" name=""/>
+        <p:cNvGrpSpPr/>
+        <p:nvPr/>
+      </p:nvGrpSpPr>
+      <p:grpSpPr>
+        <a:xfrm>
+          <a:off x="0" y="0"/>
+          <a:ext cx="0" cy="0"/>
+          <a:chOff x="0" y="0"/>
+          <a:chExt cx="0" cy="0"/>
+        </a:xfrm>
+      </p:grpSpPr>
       <p:sp>
         <p:nvSpPr>
           <p:cNvPr id="2" name="標題 1">
@@ -4627,7 +4688,7 @@
 </p:sld>
 </file>
 
-<file path=ppt/slides/slide3.xml><?xml version="1.0" encoding="utf-8"?>
+<file path=ppt/slides/slide4.xml><?xml version="1.0" encoding="utf-8"?>
 <p:sld xmlns:a="http://schemas.openxmlformats.org/drawingml/2006/main" xmlns:r="http://schemas.openxmlformats.org/officeDocument/2006/relationships" xmlns:p="http://schemas.openxmlformats.org/presentationml/2006/main">
   <p:cSld>
     <p:spTree>
@@ -4788,7 +4849,7 @@
 </p:sld>
 </file>
 
-<file path=ppt/slides/slide4.xml><?xml version="1.0" encoding="utf-8"?>
+<file path=ppt/slides/slide5.xml><?xml version="1.0" encoding="utf-8"?>
 <p:sld xmlns:a="http://schemas.openxmlformats.org/drawingml/2006/main" xmlns:r="http://schemas.openxmlformats.org/officeDocument/2006/relationships" xmlns:p="http://schemas.openxmlformats.org/presentationml/2006/main">
   <p:cSld>
     <p:spTree>
@@ -4962,7 +5023,7 @@
 </p:sld>
 </file>
 
-<file path=ppt/slides/slide5.xml><?xml version="1.0" encoding="utf-8"?>
+<file path=ppt/slides/slide6.xml><?xml version="1.0" encoding="utf-8"?>
 <p:sld xmlns:a="http://schemas.openxmlformats.org/drawingml/2006/main" xmlns:r="http://schemas.openxmlformats.org/officeDocument/2006/relationships" xmlns:p="http://schemas.openxmlformats.org/presentationml/2006/main">
   <p:cSld>
     <p:spTree>
@@ -5104,7 +5165,7 @@
 </p:sld>
 </file>
 
-<file path=ppt/slides/slide6.xml><?xml version="1.0" encoding="utf-8"?>
+<file path=ppt/slides/slide7.xml><?xml version="1.0" encoding="utf-8"?>
 <p:sld xmlns:a="http://schemas.openxmlformats.org/drawingml/2006/main" xmlns:r="http://schemas.openxmlformats.org/officeDocument/2006/relationships" xmlns:p="http://schemas.openxmlformats.org/presentationml/2006/main">
   <p:cSld>
     <p:spTree>
@@ -5390,7 +5451,7 @@
 </p:sld>
 </file>
 
-<file path=ppt/slides/slide7.xml><?xml version="1.0" encoding="utf-8"?>
+<file path=ppt/slides/slide8.xml><?xml version="1.0" encoding="utf-8"?>
 <p:sld xmlns:a="http://schemas.openxmlformats.org/drawingml/2006/main" xmlns:r="http://schemas.openxmlformats.org/officeDocument/2006/relationships" xmlns:p="http://schemas.openxmlformats.org/presentationml/2006/main">
   <p:cSld>
     <p:spTree>

--- a/lab2/HW2Explain2021ENG.pptx
+++ b/lab2/HW2Explain2021ENG.pptx
@@ -204,7 +204,7 @@
           <a:p>
             <a:fld id="{29155346-97D4-4CE6-A0B5-386CC388E632}" type="datetimeFigureOut">
               <a:rPr lang="zh-TW" altLang="en-US" smtClean="0"/>
-              <a:t>2021/9/25</a:t>
+              <a:t>2021/10/4</a:t>
             </a:fld>
             <a:endParaRPr lang="zh-TW" altLang="en-US"/>
           </a:p>
@@ -785,7 +785,7 @@
           <a:p>
             <a:fld id="{CCA0D779-C9D7-43D7-B4AF-DF992C0953FB}" type="datetimeFigureOut">
               <a:rPr lang="zh-TW" altLang="en-US" smtClean="0"/>
-              <a:t>2021/9/25</a:t>
+              <a:t>2021/10/4</a:t>
             </a:fld>
             <a:endParaRPr lang="zh-TW" altLang="en-US"/>
           </a:p>
@@ -993,7 +993,7 @@
           <a:p>
             <a:fld id="{CCA0D779-C9D7-43D7-B4AF-DF992C0953FB}" type="datetimeFigureOut">
               <a:rPr lang="zh-TW" altLang="en-US" smtClean="0"/>
-              <a:t>2021/9/25</a:t>
+              <a:t>2021/10/4</a:t>
             </a:fld>
             <a:endParaRPr lang="zh-TW" altLang="en-US"/>
           </a:p>
@@ -1249,7 +1249,7 @@
           <a:p>
             <a:fld id="{CCA0D779-C9D7-43D7-B4AF-DF992C0953FB}" type="datetimeFigureOut">
               <a:rPr lang="zh-TW" altLang="en-US" smtClean="0"/>
-              <a:t>2021/9/25</a:t>
+              <a:t>2021/10/4</a:t>
             </a:fld>
             <a:endParaRPr lang="zh-TW" altLang="en-US"/>
           </a:p>
@@ -1423,7 +1423,7 @@
           <a:p>
             <a:fld id="{CCA0D779-C9D7-43D7-B4AF-DF992C0953FB}" type="datetimeFigureOut">
               <a:rPr lang="zh-TW" altLang="en-US" smtClean="0"/>
-              <a:t>2021/9/25</a:t>
+              <a:t>2021/10/4</a:t>
             </a:fld>
             <a:endParaRPr lang="zh-TW" altLang="en-US"/>
           </a:p>
@@ -1766,7 +1766,7 @@
           <a:p>
             <a:fld id="{CCA0D779-C9D7-43D7-B4AF-DF992C0953FB}" type="datetimeFigureOut">
               <a:rPr lang="zh-TW" altLang="en-US" smtClean="0"/>
-              <a:t>2021/9/25</a:t>
+              <a:t>2021/10/4</a:t>
             </a:fld>
             <a:endParaRPr lang="zh-TW" altLang="en-US"/>
           </a:p>
@@ -2041,7 +2041,7 @@
           <a:p>
             <a:fld id="{CCA0D779-C9D7-43D7-B4AF-DF992C0953FB}" type="datetimeFigureOut">
               <a:rPr lang="zh-TW" altLang="en-US" smtClean="0"/>
-              <a:t>2021/9/25</a:t>
+              <a:t>2021/10/4</a:t>
             </a:fld>
             <a:endParaRPr lang="zh-TW" altLang="en-US"/>
           </a:p>
@@ -2420,7 +2420,7 @@
           <a:p>
             <a:fld id="{CCA0D779-C9D7-43D7-B4AF-DF992C0953FB}" type="datetimeFigureOut">
               <a:rPr lang="zh-TW" altLang="en-US" smtClean="0"/>
-              <a:t>2021/9/25</a:t>
+              <a:t>2021/10/4</a:t>
             </a:fld>
             <a:endParaRPr lang="zh-TW" altLang="en-US"/>
           </a:p>
@@ -2538,7 +2538,7 @@
           <a:p>
             <a:fld id="{CCA0D779-C9D7-43D7-B4AF-DF992C0953FB}" type="datetimeFigureOut">
               <a:rPr lang="zh-TW" altLang="en-US" smtClean="0"/>
-              <a:t>2021/9/25</a:t>
+              <a:t>2021/10/4</a:t>
             </a:fld>
             <a:endParaRPr lang="zh-TW" altLang="en-US"/>
           </a:p>
@@ -2709,7 +2709,7 @@
           <a:p>
             <a:fld id="{CCA0D779-C9D7-43D7-B4AF-DF992C0953FB}" type="datetimeFigureOut">
               <a:rPr lang="zh-TW" altLang="en-US" smtClean="0"/>
-              <a:t>2021/9/25</a:t>
+              <a:t>2021/10/4</a:t>
             </a:fld>
             <a:endParaRPr lang="zh-TW" altLang="en-US"/>
           </a:p>
@@ -3063,7 +3063,7 @@
           <a:p>
             <a:fld id="{CCA0D779-C9D7-43D7-B4AF-DF992C0953FB}" type="datetimeFigureOut">
               <a:rPr lang="zh-TW" altLang="en-US" smtClean="0"/>
-              <a:t>2021/9/25</a:t>
+              <a:t>2021/10/4</a:t>
             </a:fld>
             <a:endParaRPr lang="zh-TW" altLang="en-US"/>
           </a:p>
@@ -3445,7 +3445,7 @@
           <a:p>
             <a:fld id="{CCA0D779-C9D7-43D7-B4AF-DF992C0953FB}" type="datetimeFigureOut">
               <a:rPr lang="zh-TW" altLang="en-US" smtClean="0"/>
-              <a:t>2021/9/25</a:t>
+              <a:t>2021/10/4</a:t>
             </a:fld>
             <a:endParaRPr lang="zh-TW" altLang="en-US"/>
           </a:p>
@@ -3732,7 +3732,7 @@
           <a:p>
             <a:fld id="{CCA0D779-C9D7-43D7-B4AF-DF992C0953FB}" type="datetimeFigureOut">
               <a:rPr lang="zh-TW" altLang="en-US" smtClean="0"/>
-              <a:t>2021/9/25</a:t>
+              <a:t>2021/10/4</a:t>
             </a:fld>
             <a:endParaRPr lang="zh-TW" altLang="en-US"/>
           </a:p>
@@ -4599,58 +4599,8 @@
             </a:pPr>
             <a:r>
               <a:rPr lang="en-US" altLang="zh-TW" dirty="0"/>
-              <a:t>Token 3 ➔rate = </a:t>
-            </a:r>
-            <a:r>
-              <a:rPr lang="en-US" altLang="zh-TW" sz="1600" b="0" i="0" dirty="0">
-                <a:solidFill>
-                  <a:srgbClr val="4D5156"/>
-                </a:solidFill>
-                <a:effectLst/>
-                <a:latin typeface="arial" panose="020B0604020202020204" pitchFamily="34" charset="0"/>
-              </a:rPr>
-              <a:t>geometric sequence </a:t>
-            </a:r>
-            <a:r>
-              <a:rPr lang="en-US" altLang="zh-TW" sz="1600" b="0" i="0" dirty="0">
-                <a:solidFill>
-                  <a:srgbClr val="202122"/>
-                </a:solidFill>
-                <a:effectLst/>
-                <a:latin typeface="Arial" panose="020B0604020202020204" pitchFamily="34" charset="0"/>
-              </a:rPr>
-              <a:t>common ratio </a:t>
-            </a:r>
-            <a:endParaRPr lang="en-US" altLang="zh-TW" sz="1800" b="0" i="0" u="none" strike="noStrike" baseline="0" dirty="0">
-              <a:solidFill>
-                <a:srgbClr val="5A5A5A"/>
-              </a:solidFill>
-              <a:latin typeface="CenturyGothic"/>
-            </a:endParaRPr>
-          </a:p>
-          <a:p>
-            <a:pPr>
-              <a:buFont typeface="Wingdings" panose="05000000000000000000" pitchFamily="2" charset="2"/>
-              <a:buChar char="u"/>
-            </a:pPr>
-            <a:r>
-              <a:rPr lang="en-US" altLang="zh-TW" dirty="0"/>
-              <a:t>Token 4 ➔how many years (number of generation)</a:t>
-            </a:r>
-          </a:p>
-          <a:p>
-            <a:pPr>
-              <a:buFont typeface="Wingdings" panose="05000000000000000000" pitchFamily="2" charset="2"/>
-              <a:buChar char="u"/>
-            </a:pPr>
-            <a:endParaRPr lang="en-US" altLang="zh-TW" dirty="0"/>
-          </a:p>
-          <a:p>
-            <a:pPr>
-              <a:buFont typeface="Wingdings" panose="05000000000000000000" pitchFamily="2" charset="2"/>
-              <a:buChar char="u"/>
-            </a:pPr>
-            <a:endParaRPr lang="en-US" altLang="zh-TW" dirty="0"/>
+              <a:t>Token 3 ➔how many years (number of generation)</a:t>
+            </a:r>
           </a:p>
           <a:p>
             <a:pPr>
@@ -4734,12 +4684,84 @@
           </a:p>
         </p:txBody>
       </p:sp>
+      <p:sp>
+        <p:nvSpPr>
+          <p:cNvPr id="8" name="文字方塊 7">
+            <a:extLst>
+              <a:ext uri="{FF2B5EF4-FFF2-40B4-BE49-F238E27FC236}">
+                <a16:creationId xmlns:a16="http://schemas.microsoft.com/office/drawing/2014/main" id="{025D453A-D0C7-4DED-A90D-1459B7B83694}"/>
+              </a:ext>
+            </a:extLst>
+          </p:cNvPr>
+          <p:cNvSpPr txBox="1"/>
+          <p:nvPr/>
+        </p:nvSpPr>
+        <p:spPr>
+          <a:xfrm>
+            <a:off x="497840" y="3225800"/>
+            <a:ext cx="1066800" cy="369332"/>
+          </a:xfrm>
+          <a:prstGeom prst="rect">
+            <a:avLst/>
+          </a:prstGeom>
+          <a:noFill/>
+        </p:spPr>
+        <p:txBody>
+          <a:bodyPr wrap="square" rtlCol="0">
+            <a:spAutoFit/>
+          </a:bodyPr>
+          <a:lstStyle/>
+          <a:p>
+            <a:r>
+              <a:rPr lang="en-US" altLang="zh-TW" dirty="0"/>
+              <a:t>input ➔</a:t>
+            </a:r>
+            <a:endParaRPr lang="zh-TW" altLang="en-US" dirty="0"/>
+          </a:p>
+        </p:txBody>
+      </p:sp>
+      <p:sp>
+        <p:nvSpPr>
+          <p:cNvPr id="9" name="文字方塊 8">
+            <a:extLst>
+              <a:ext uri="{FF2B5EF4-FFF2-40B4-BE49-F238E27FC236}">
+                <a16:creationId xmlns:a16="http://schemas.microsoft.com/office/drawing/2014/main" id="{A389FB71-F213-49DF-BC0E-3358D5DF010E}"/>
+              </a:ext>
+            </a:extLst>
+          </p:cNvPr>
+          <p:cNvSpPr txBox="1"/>
+          <p:nvPr/>
+        </p:nvSpPr>
+        <p:spPr>
+          <a:xfrm>
+            <a:off x="497840" y="3464560"/>
+            <a:ext cx="1381760" cy="369332"/>
+          </a:xfrm>
+          <a:prstGeom prst="rect">
+            <a:avLst/>
+          </a:prstGeom>
+          <a:noFill/>
+        </p:spPr>
+        <p:txBody>
+          <a:bodyPr wrap="square" rtlCol="0">
+            <a:spAutoFit/>
+          </a:bodyPr>
+          <a:lstStyle/>
+          <a:p>
+            <a:r>
+              <a:rPr lang="en-US" altLang="zh-TW" dirty="0"/>
+              <a:t>output ➔</a:t>
+            </a:r>
+            <a:endParaRPr lang="zh-TW" altLang="en-US" dirty="0"/>
+          </a:p>
+        </p:txBody>
+      </p:sp>
       <p:pic>
         <p:nvPicPr>
-          <p:cNvPr id="4" name="圖片 3">
+          <p:cNvPr id="5" name="圖片 4">
             <a:extLst>
               <a:ext uri="{FF2B5EF4-FFF2-40B4-BE49-F238E27FC236}">
-                <a16:creationId xmlns:a16="http://schemas.microsoft.com/office/drawing/2014/main" id="{021FB1D6-9A56-4297-9D9E-0B02D4AAEC2F}"/>
+                <a16:creationId xmlns:a16="http://schemas.microsoft.com/office/drawing/2014/main" id="{3FBBDDEB-521B-42CE-9001-A6D0EAFA5B1D}"/>
               </a:ext>
             </a:extLst>
           </p:cNvPr>
@@ -4756,86 +4778,14 @@
         </p:blipFill>
         <p:spPr>
           <a:xfrm>
-            <a:off x="1790700" y="3114675"/>
-            <a:ext cx="8610600" cy="628650"/>
+            <a:off x="2200275" y="3114675"/>
+            <a:ext cx="7791450" cy="628650"/>
           </a:xfrm>
           <a:prstGeom prst="rect">
             <a:avLst/>
           </a:prstGeom>
         </p:spPr>
       </p:pic>
-      <p:sp>
-        <p:nvSpPr>
-          <p:cNvPr id="8" name="文字方塊 7">
-            <a:extLst>
-              <a:ext uri="{FF2B5EF4-FFF2-40B4-BE49-F238E27FC236}">
-                <a16:creationId xmlns:a16="http://schemas.microsoft.com/office/drawing/2014/main" id="{025D453A-D0C7-4DED-A90D-1459B7B83694}"/>
-              </a:ext>
-            </a:extLst>
-          </p:cNvPr>
-          <p:cNvSpPr txBox="1"/>
-          <p:nvPr/>
-        </p:nvSpPr>
-        <p:spPr>
-          <a:xfrm>
-            <a:off x="497840" y="3225800"/>
-            <a:ext cx="1066800" cy="369332"/>
-          </a:xfrm>
-          <a:prstGeom prst="rect">
-            <a:avLst/>
-          </a:prstGeom>
-          <a:noFill/>
-        </p:spPr>
-        <p:txBody>
-          <a:bodyPr wrap="square" rtlCol="0">
-            <a:spAutoFit/>
-          </a:bodyPr>
-          <a:lstStyle/>
-          <a:p>
-            <a:r>
-              <a:rPr lang="en-US" altLang="zh-TW" dirty="0"/>
-              <a:t>input ➔</a:t>
-            </a:r>
-            <a:endParaRPr lang="zh-TW" altLang="en-US" dirty="0"/>
-          </a:p>
-        </p:txBody>
-      </p:sp>
-      <p:sp>
-        <p:nvSpPr>
-          <p:cNvPr id="9" name="文字方塊 8">
-            <a:extLst>
-              <a:ext uri="{FF2B5EF4-FFF2-40B4-BE49-F238E27FC236}">
-                <a16:creationId xmlns:a16="http://schemas.microsoft.com/office/drawing/2014/main" id="{A389FB71-F213-49DF-BC0E-3358D5DF010E}"/>
-              </a:ext>
-            </a:extLst>
-          </p:cNvPr>
-          <p:cNvSpPr txBox="1"/>
-          <p:nvPr/>
-        </p:nvSpPr>
-        <p:spPr>
-          <a:xfrm>
-            <a:off x="497840" y="3464560"/>
-            <a:ext cx="1381760" cy="369332"/>
-          </a:xfrm>
-          <a:prstGeom prst="rect">
-            <a:avLst/>
-          </a:prstGeom>
-          <a:noFill/>
-        </p:spPr>
-        <p:txBody>
-          <a:bodyPr wrap="square" rtlCol="0">
-            <a:spAutoFit/>
-          </a:bodyPr>
-          <a:lstStyle/>
-          <a:p>
-            <a:r>
-              <a:rPr lang="en-US" altLang="zh-TW" dirty="0"/>
-              <a:t>output ➔</a:t>
-            </a:r>
-            <a:endParaRPr lang="zh-TW" altLang="en-US" dirty="0"/>
-          </a:p>
-        </p:txBody>
-      </p:sp>
     </p:spTree>
     <p:extLst>
       <p:ext uri="{BB962C8B-B14F-4D97-AF65-F5344CB8AC3E}">
@@ -4908,12 +4858,84 @@
           </a:p>
         </p:txBody>
       </p:sp>
+      <p:sp>
+        <p:nvSpPr>
+          <p:cNvPr id="10" name="文字方塊 9">
+            <a:extLst>
+              <a:ext uri="{FF2B5EF4-FFF2-40B4-BE49-F238E27FC236}">
+                <a16:creationId xmlns:a16="http://schemas.microsoft.com/office/drawing/2014/main" id="{C8BEA62C-D26B-4248-A702-BF032D53B5CF}"/>
+              </a:ext>
+            </a:extLst>
+          </p:cNvPr>
+          <p:cNvSpPr txBox="1"/>
+          <p:nvPr/>
+        </p:nvSpPr>
+        <p:spPr>
+          <a:xfrm>
+            <a:off x="497840" y="3225800"/>
+            <a:ext cx="1066800" cy="369332"/>
+          </a:xfrm>
+          <a:prstGeom prst="rect">
+            <a:avLst/>
+          </a:prstGeom>
+          <a:noFill/>
+        </p:spPr>
+        <p:txBody>
+          <a:bodyPr wrap="square" rtlCol="0">
+            <a:spAutoFit/>
+          </a:bodyPr>
+          <a:lstStyle/>
+          <a:p>
+            <a:r>
+              <a:rPr lang="en-US" altLang="zh-TW" dirty="0"/>
+              <a:t>input ➔</a:t>
+            </a:r>
+            <a:endParaRPr lang="zh-TW" altLang="en-US" dirty="0"/>
+          </a:p>
+        </p:txBody>
+      </p:sp>
+      <p:sp>
+        <p:nvSpPr>
+          <p:cNvPr id="11" name="文字方塊 10">
+            <a:extLst>
+              <a:ext uri="{FF2B5EF4-FFF2-40B4-BE49-F238E27FC236}">
+                <a16:creationId xmlns:a16="http://schemas.microsoft.com/office/drawing/2014/main" id="{1CF74C10-88C3-44E0-80DA-71116E5A8C0E}"/>
+              </a:ext>
+            </a:extLst>
+          </p:cNvPr>
+          <p:cNvSpPr txBox="1"/>
+          <p:nvPr/>
+        </p:nvSpPr>
+        <p:spPr>
+          <a:xfrm>
+            <a:off x="497840" y="3464560"/>
+            <a:ext cx="1381760" cy="369332"/>
+          </a:xfrm>
+          <a:prstGeom prst="rect">
+            <a:avLst/>
+          </a:prstGeom>
+          <a:noFill/>
+        </p:spPr>
+        <p:txBody>
+          <a:bodyPr wrap="square" rtlCol="0">
+            <a:spAutoFit/>
+          </a:bodyPr>
+          <a:lstStyle/>
+          <a:p>
+            <a:r>
+              <a:rPr lang="en-US" altLang="zh-TW" dirty="0"/>
+              <a:t>output ➔</a:t>
+            </a:r>
+            <a:endParaRPr lang="zh-TW" altLang="en-US" dirty="0"/>
+          </a:p>
+        </p:txBody>
+      </p:sp>
       <p:pic>
         <p:nvPicPr>
-          <p:cNvPr id="5" name="圖片 4">
+          <p:cNvPr id="4" name="圖片 3">
             <a:extLst>
               <a:ext uri="{FF2B5EF4-FFF2-40B4-BE49-F238E27FC236}">
-                <a16:creationId xmlns:a16="http://schemas.microsoft.com/office/drawing/2014/main" id="{3648DF10-38ED-4991-B4A1-5D85FAB96AD9}"/>
+                <a16:creationId xmlns:a16="http://schemas.microsoft.com/office/drawing/2014/main" id="{585C6276-199B-4B36-AC49-451C9FABCD0A}"/>
               </a:ext>
             </a:extLst>
           </p:cNvPr>
@@ -4930,86 +4952,14 @@
         </p:blipFill>
         <p:spPr>
           <a:xfrm>
-            <a:off x="1800225" y="3105150"/>
-            <a:ext cx="8591550" cy="647700"/>
+            <a:off x="2209800" y="3105150"/>
+            <a:ext cx="7772400" cy="647700"/>
           </a:xfrm>
           <a:prstGeom prst="rect">
             <a:avLst/>
           </a:prstGeom>
         </p:spPr>
       </p:pic>
-      <p:sp>
-        <p:nvSpPr>
-          <p:cNvPr id="10" name="文字方塊 9">
-            <a:extLst>
-              <a:ext uri="{FF2B5EF4-FFF2-40B4-BE49-F238E27FC236}">
-                <a16:creationId xmlns:a16="http://schemas.microsoft.com/office/drawing/2014/main" id="{C8BEA62C-D26B-4248-A702-BF032D53B5CF}"/>
-              </a:ext>
-            </a:extLst>
-          </p:cNvPr>
-          <p:cNvSpPr txBox="1"/>
-          <p:nvPr/>
-        </p:nvSpPr>
-        <p:spPr>
-          <a:xfrm>
-            <a:off x="497840" y="3225800"/>
-            <a:ext cx="1066800" cy="369332"/>
-          </a:xfrm>
-          <a:prstGeom prst="rect">
-            <a:avLst/>
-          </a:prstGeom>
-          <a:noFill/>
-        </p:spPr>
-        <p:txBody>
-          <a:bodyPr wrap="square" rtlCol="0">
-            <a:spAutoFit/>
-          </a:bodyPr>
-          <a:lstStyle/>
-          <a:p>
-            <a:r>
-              <a:rPr lang="en-US" altLang="zh-TW" dirty="0"/>
-              <a:t>input ➔</a:t>
-            </a:r>
-            <a:endParaRPr lang="zh-TW" altLang="en-US" dirty="0"/>
-          </a:p>
-        </p:txBody>
-      </p:sp>
-      <p:sp>
-        <p:nvSpPr>
-          <p:cNvPr id="11" name="文字方塊 10">
-            <a:extLst>
-              <a:ext uri="{FF2B5EF4-FFF2-40B4-BE49-F238E27FC236}">
-                <a16:creationId xmlns:a16="http://schemas.microsoft.com/office/drawing/2014/main" id="{1CF74C10-88C3-44E0-80DA-71116E5A8C0E}"/>
-              </a:ext>
-            </a:extLst>
-          </p:cNvPr>
-          <p:cNvSpPr txBox="1"/>
-          <p:nvPr/>
-        </p:nvSpPr>
-        <p:spPr>
-          <a:xfrm>
-            <a:off x="497840" y="3464560"/>
-            <a:ext cx="1381760" cy="369332"/>
-          </a:xfrm>
-          <a:prstGeom prst="rect">
-            <a:avLst/>
-          </a:prstGeom>
-          <a:noFill/>
-        </p:spPr>
-        <p:txBody>
-          <a:bodyPr wrap="square" rtlCol="0">
-            <a:spAutoFit/>
-          </a:bodyPr>
-          <a:lstStyle/>
-          <a:p>
-            <a:r>
-              <a:rPr lang="en-US" altLang="zh-TW" dirty="0"/>
-              <a:t>output ➔</a:t>
-            </a:r>
-            <a:endParaRPr lang="zh-TW" altLang="en-US" dirty="0"/>
-          </a:p>
-        </p:txBody>
-      </p:sp>
     </p:spTree>
     <p:extLst>
       <p:ext uri="{BB962C8B-B14F-4D97-AF65-F5344CB8AC3E}">
@@ -5124,10 +5074,10 @@
       </p:sp>
       <p:pic>
         <p:nvPicPr>
-          <p:cNvPr id="5" name="圖片 4">
+          <p:cNvPr id="6" name="圖片 5">
             <a:extLst>
               <a:ext uri="{FF2B5EF4-FFF2-40B4-BE49-F238E27FC236}">
-                <a16:creationId xmlns:a16="http://schemas.microsoft.com/office/drawing/2014/main" id="{7C8E28C8-4245-4271-9584-7345708BFCA9}"/>
+                <a16:creationId xmlns:a16="http://schemas.microsoft.com/office/drawing/2014/main" id="{1737FD3F-83AC-433D-A13B-8903F95C1E9E}"/>
               </a:ext>
             </a:extLst>
           </p:cNvPr>
@@ -5144,8 +5094,8 @@
         </p:blipFill>
         <p:spPr>
           <a:xfrm>
-            <a:off x="1781175" y="3352165"/>
-            <a:ext cx="8629650" cy="1962150"/>
+            <a:off x="2190750" y="3193466"/>
+            <a:ext cx="7810500" cy="1952625"/>
           </a:xfrm>
           <a:prstGeom prst="rect">
             <a:avLst/>
